--- a/doc/pre.pptx
+++ b/doc/pre.pptx
@@ -116,6 +116,11 @@
       </a:defRPr>
     </a:lvl9pPr>
   </p:defaultTextStyle>
+  <p:extLst>
+    <p:ext uri="{EFAFB233-063F-42B5-8137-9DF3F51BA10A}">
+      <p15:sldGuideLst xmlns:p15="http://schemas.microsoft.com/office/powerpoint/2012/main"/>
+    </p:ext>
+  </p:extLst>
 </p:presentation>
 </file>
 
@@ -1007,7 +1012,7 @@
             <a:fld id="{B61BEF0D-F0BB-DE4B-95CE-6DB70DBA9567}" type="datetimeFigureOut">
               <a:rPr lang="en-US" dirty="0"/>
               <a:pPr/>
-              <a:t>4/12/2017</a:t>
+              <a:t>4/14/2017</a:t>
             </a:fld>
             <a:endParaRPr lang="en-US" dirty="0"/>
           </a:p>
@@ -1255,7 +1260,7 @@
             <a:fld id="{B61BEF0D-F0BB-DE4B-95CE-6DB70DBA9567}" type="datetimeFigureOut">
               <a:rPr lang="en-US" dirty="0"/>
               <a:pPr/>
-              <a:t>4/12/2017</a:t>
+              <a:t>4/14/2017</a:t>
             </a:fld>
             <a:endParaRPr lang="en-US" dirty="0"/>
           </a:p>
@@ -1566,7 +1571,7 @@
             <a:fld id="{B61BEF0D-F0BB-DE4B-95CE-6DB70DBA9567}" type="datetimeFigureOut">
               <a:rPr lang="en-US" dirty="0"/>
               <a:pPr/>
-              <a:t>4/12/2017</a:t>
+              <a:t>4/14/2017</a:t>
             </a:fld>
             <a:endParaRPr lang="en-US" dirty="0"/>
           </a:p>
@@ -1904,7 +1909,7 @@
             <a:fld id="{B61BEF0D-F0BB-DE4B-95CE-6DB70DBA9567}" type="datetimeFigureOut">
               <a:rPr lang="en-US" dirty="0"/>
               <a:pPr/>
-              <a:t>4/12/2017</a:t>
+              <a:t>4/14/2017</a:t>
             </a:fld>
             <a:endParaRPr lang="en-US" dirty="0"/>
           </a:p>
@@ -2215,7 +2220,7 @@
             <a:fld id="{B61BEF0D-F0BB-DE4B-95CE-6DB70DBA9567}" type="datetimeFigureOut">
               <a:rPr lang="en-US" dirty="0"/>
               <a:pPr/>
-              <a:t>4/12/2017</a:t>
+              <a:t>4/14/2017</a:t>
             </a:fld>
             <a:endParaRPr lang="en-US" dirty="0"/>
           </a:p>
@@ -2605,7 +2610,7 @@
             <a:fld id="{B61BEF0D-F0BB-DE4B-95CE-6DB70DBA9567}" type="datetimeFigureOut">
               <a:rPr lang="en-US" dirty="0"/>
               <a:pPr/>
-              <a:t>4/12/2017</a:t>
+              <a:t>4/14/2017</a:t>
             </a:fld>
             <a:endParaRPr lang="en-US" dirty="0"/>
           </a:p>
@@ -2771,7 +2776,7 @@
           <a:p>
             <a:fld id="{55C6B4A9-1611-4792-9094-5F34BCA07E0B}" type="datetimeFigureOut">
               <a:rPr lang="en-US" dirty="0"/>
-              <a:t>4/12/2017</a:t>
+              <a:t>4/14/2017</a:t>
             </a:fld>
             <a:endParaRPr lang="en-US" dirty="0"/>
           </a:p>
@@ -2947,7 +2952,7 @@
             <a:fld id="{B61BEF0D-F0BB-DE4B-95CE-6DB70DBA9567}" type="datetimeFigureOut">
               <a:rPr lang="en-US" dirty="0"/>
               <a:pPr/>
-              <a:t>4/12/2017</a:t>
+              <a:t>4/14/2017</a:t>
             </a:fld>
             <a:endParaRPr lang="en-US" dirty="0"/>
           </a:p>
@@ -3120,7 +3125,7 @@
             <a:fld id="{B61BEF0D-F0BB-DE4B-95CE-6DB70DBA9567}" type="datetimeFigureOut">
               <a:rPr lang="en-US" dirty="0"/>
               <a:pPr/>
-              <a:t>4/12/2017</a:t>
+              <a:t>4/14/2017</a:t>
             </a:fld>
             <a:endParaRPr lang="en-US" dirty="0"/>
           </a:p>
@@ -3364,7 +3369,7 @@
             <a:fld id="{B61BEF0D-F0BB-DE4B-95CE-6DB70DBA9567}" type="datetimeFigureOut">
               <a:rPr lang="en-US" dirty="0"/>
               <a:pPr/>
-              <a:t>4/12/2017</a:t>
+              <a:t>4/14/2017</a:t>
             </a:fld>
             <a:endParaRPr lang="en-US" dirty="0"/>
           </a:p>
@@ -3592,7 +3597,7 @@
           <a:p>
             <a:fld id="{EB712588-04B1-427B-82EE-E8DB90309F08}" type="datetimeFigureOut">
               <a:rPr lang="en-US" dirty="0"/>
-              <a:t>4/12/2017</a:t>
+              <a:t>4/14/2017</a:t>
             </a:fld>
             <a:endParaRPr lang="en-US" dirty="0"/>
           </a:p>
@@ -3962,7 +3967,7 @@
             <a:fld id="{B61BEF0D-F0BB-DE4B-95CE-6DB70DBA9567}" type="datetimeFigureOut">
               <a:rPr lang="en-US" dirty="0"/>
               <a:pPr/>
-              <a:t>4/12/2017</a:t>
+              <a:t>4/14/2017</a:t>
             </a:fld>
             <a:endParaRPr lang="en-US" dirty="0"/>
           </a:p>
@@ -4082,7 +4087,7 @@
             <a:fld id="{B61BEF0D-F0BB-DE4B-95CE-6DB70DBA9567}" type="datetimeFigureOut">
               <a:rPr lang="en-US" dirty="0"/>
               <a:pPr/>
-              <a:t>4/12/2017</a:t>
+              <a:t>4/14/2017</a:t>
             </a:fld>
             <a:endParaRPr lang="en-US" dirty="0"/>
           </a:p>
@@ -4174,7 +4179,7 @@
             <a:fld id="{B61BEF0D-F0BB-DE4B-95CE-6DB70DBA9567}" type="datetimeFigureOut">
               <a:rPr lang="en-US" dirty="0"/>
               <a:pPr/>
-              <a:t>4/12/2017</a:t>
+              <a:t>4/14/2017</a:t>
             </a:fld>
             <a:endParaRPr lang="en-US" dirty="0"/>
           </a:p>
@@ -4425,7 +4430,7 @@
           <a:p>
             <a:fld id="{42A54C80-263E-416B-A8E0-580EDEADCBDC}" type="datetimeFigureOut">
               <a:rPr lang="en-US" dirty="0"/>
-              <a:t>4/12/2017</a:t>
+              <a:t>4/14/2017</a:t>
             </a:fld>
             <a:endParaRPr lang="en-US" dirty="0"/>
           </a:p>
@@ -4684,7 +4689,7 @@
             <a:fld id="{B61BEF0D-F0BB-DE4B-95CE-6DB70DBA9567}" type="datetimeFigureOut">
               <a:rPr lang="en-US" dirty="0"/>
               <a:pPr/>
-              <a:t>4/12/2017</a:t>
+              <a:t>4/14/2017</a:t>
             </a:fld>
             <a:endParaRPr lang="en-US" dirty="0"/>
           </a:p>
@@ -5424,7 +5429,7 @@
             <a:fld id="{B61BEF0D-F0BB-DE4B-95CE-6DB70DBA9567}" type="datetimeFigureOut">
               <a:rPr lang="en-US" dirty="0"/>
               <a:pPr/>
-              <a:t>4/12/2017</a:t>
+              <a:t>4/14/2017</a:t>
             </a:fld>
             <a:endParaRPr lang="en-US" dirty="0"/>
           </a:p>
@@ -7892,7 +7897,7 @@
             </a:r>
             <a:r>
               <a:rPr lang="en-US" altLang="zh-CN" sz="2400" dirty="0"/>
-              <a:t> each loop to reduce the running time (still kind of too slow)</a:t>
+              <a:t> each loop to reduce the running time (Our EM step gives a much faster speed after vectorization)</a:t>
             </a:r>
           </a:p>
           <a:p>
